--- a/Presentation.pptx
+++ b/Presentation.pptx
@@ -5,7 +5,7 @@
     <p:sldMasterId id="2147483686" r:id="rId1"/>
   </p:sldMasterIdLst>
   <p:notesMasterIdLst>
-    <p:notesMasterId r:id="rId9"/>
+    <p:notesMasterId r:id="rId10"/>
   </p:notesMasterIdLst>
   <p:sldIdLst>
     <p:sldId id="256" r:id="rId2"/>
@@ -15,6 +15,7 @@
     <p:sldId id="260" r:id="rId6"/>
     <p:sldId id="262" r:id="rId7"/>
     <p:sldId id="261" r:id="rId8"/>
+    <p:sldId id="263" r:id="rId9"/>
   </p:sldIdLst>
   <p:sldSz cx="12192000" cy="6858000"/>
   <p:notesSz cx="6858000" cy="9144000"/>
@@ -517,6 +518,15 @@
           <a:p>
             <a:r>
               <a:rPr lang="en-GB" dirty="0"/>
+              <a:t>Presenter Ali 4 minutes max</a:t>
+            </a:r>
+          </a:p>
+          <a:p>
+            <a:endParaRPr lang="en-GB" dirty="0"/>
+          </a:p>
+          <a:p>
+            <a:r>
+              <a:rPr lang="en-GB" dirty="0"/>
               <a:t>We will take you through the flow and components used to deploy AWS infrastructure, VPC, subnet, EC2 instances, routing security groups etc.</a:t>
             </a:r>
           </a:p>
@@ -744,6 +754,15 @@
           <a:p>
             <a:r>
               <a:rPr lang="en-GB" dirty="0"/>
+              <a:t>Presenter Nikita ad Veera 6 minutes max for this slide and next one </a:t>
+            </a:r>
+          </a:p>
+          <a:p>
+            <a:endParaRPr lang="en-GB" dirty="0"/>
+          </a:p>
+          <a:p>
+            <a:r>
+              <a:rPr lang="en-GB" dirty="0"/>
               <a:t>In this slide we are showing what we learned about container images, docker files and how to build containers </a:t>
             </a:r>
           </a:p>
@@ -859,6 +878,32 @@
           <a:bodyPr/>
           <a:lstStyle/>
           <a:p>
+            <a:pPr marL="0" marR="0" lvl="0" indent="0" algn="l" defTabSz="914400" rtl="0" eaLnBrk="1" fontAlgn="auto" latinLnBrk="0" hangingPunct="1">
+              <a:lnSpc>
+                <a:spcPct val="100000"/>
+              </a:lnSpc>
+              <a:spcBef>
+                <a:spcPts val="0"/>
+              </a:spcBef>
+              <a:spcAft>
+                <a:spcPts val="0"/>
+              </a:spcAft>
+              <a:buClrTx/>
+              <a:buSzTx/>
+              <a:buFontTx/>
+              <a:buNone/>
+              <a:tabLst/>
+              <a:defRPr/>
+            </a:pPr>
+            <a:r>
+              <a:rPr lang="en-GB" dirty="0"/>
+              <a:t>Presenter Nikita ad Veera</a:t>
+            </a:r>
+          </a:p>
+          <a:p>
+            <a:endParaRPr lang="en-GB" dirty="0"/>
+          </a:p>
+          <a:p>
             <a:r>
               <a:rPr lang="en-GB" dirty="0"/>
               <a:t>Kubernetes application deployment using </a:t>
@@ -927,6 +972,35 @@
               <a:rPr lang="en-GB" dirty="0"/>
               <a:t>https://github.com/KalyanPatnala/argocd11</a:t>
             </a:r>
+          </a:p>
+          <a:p>
+            <a:pPr marL="0" marR="0" lvl="0" indent="0" algn="l" defTabSz="914400" rtl="0" eaLnBrk="1" fontAlgn="auto" latinLnBrk="0" hangingPunct="1">
+              <a:lnSpc>
+                <a:spcPct val="100000"/>
+              </a:lnSpc>
+              <a:spcBef>
+                <a:spcPts val="0"/>
+              </a:spcBef>
+              <a:spcAft>
+                <a:spcPts val="0"/>
+              </a:spcAft>
+              <a:buClrTx/>
+              <a:buSzTx/>
+              <a:buFontTx/>
+              <a:buNone/>
+              <a:tabLst/>
+              <a:defRPr/>
+            </a:pPr>
+            <a:r>
+              <a:rPr lang="en-GB" dirty="0"/>
+              <a:t>Access Argo CD   https://52.18.206.54:31037/        &gt;&gt; m9xg-SlVob3jIW53</a:t>
+            </a:r>
+          </a:p>
+          <a:p>
+            <a:pPr marL="0" indent="0">
+              <a:buNone/>
+            </a:pPr>
+            <a:endParaRPr lang="en-GB" dirty="0"/>
           </a:p>
           <a:p>
             <a:pPr marL="228600" indent="-228600">
@@ -1031,6 +1105,29 @@
           <a:bodyPr/>
           <a:lstStyle/>
           <a:p>
+            <a:pPr marL="0" marR="0" lvl="0" indent="0" algn="l" defTabSz="914400" rtl="0" eaLnBrk="1" fontAlgn="auto" latinLnBrk="0" hangingPunct="1">
+              <a:lnSpc>
+                <a:spcPct val="100000"/>
+              </a:lnSpc>
+              <a:spcBef>
+                <a:spcPts val="0"/>
+              </a:spcBef>
+              <a:spcAft>
+                <a:spcPts val="0"/>
+              </a:spcAft>
+              <a:buClrTx/>
+              <a:buSzTx/>
+              <a:buFontTx/>
+              <a:buNone/>
+              <a:tabLst/>
+              <a:defRPr/>
+            </a:pPr>
+            <a:r>
+              <a:rPr lang="en-GB" dirty="0"/>
+              <a:t>Presenter Nikita ad Veera</a:t>
+            </a:r>
+          </a:p>
+          <a:p>
             <a:endParaRPr lang="en-GB" dirty="0"/>
           </a:p>
         </p:txBody>
@@ -1135,6 +1232,15 @@
           <a:p>
             <a:r>
               <a:rPr lang="en-GB" dirty="0"/>
+              <a:t>Presenters Kalyan And Jamie 5 or 6 minutes with demo included</a:t>
+            </a:r>
+          </a:p>
+          <a:p>
+            <a:endParaRPr lang="en-GB" dirty="0"/>
+          </a:p>
+          <a:p>
+            <a:r>
+              <a:rPr lang="en-GB" dirty="0"/>
               <a:t>OCP Application using S2I</a:t>
             </a:r>
           </a:p>
@@ -1164,6 +1270,32 @@
               <a:rPr lang="en-GB" dirty="0"/>
               <a:t>https://github.com/KalyanPatnala/team4-oc-frontend</a:t>
             </a:r>
+          </a:p>
+          <a:p>
+            <a:endParaRPr lang="en-GB" dirty="0"/>
+          </a:p>
+          <a:p>
+            <a:r>
+              <a:rPr lang="en-GB" dirty="0"/>
+              <a:t>Have a CLI and GUI access ready to OCP console  </a:t>
+            </a:r>
+          </a:p>
+          <a:p>
+            <a:r>
+              <a:rPr lang="en-GB" dirty="0"/>
+              <a:t>Browse to web page of our app and get the screen ready to share </a:t>
+            </a:r>
+          </a:p>
+          <a:p>
+            <a:r>
+              <a:rPr lang="en-GB" dirty="0"/>
+              <a:t>At the end of presentation. Jamie brings CLI and GUI on sharing screen &gt;&gt;  Kalyan makes change to insert value file in GIT &gt;&gt; Shows the pods rebuilding and show web </a:t>
+            </a:r>
+            <a:r>
+              <a:rPr lang="en-GB"/>
+              <a:t>page changes</a:t>
+            </a:r>
+            <a:endParaRPr lang="en-GB" dirty="0"/>
           </a:p>
         </p:txBody>
       </p:sp>
@@ -1200,6 +1332,102 @@
     <p:extLst>
       <p:ext uri="{BB962C8B-B14F-4D97-AF65-F5344CB8AC3E}">
         <p14:creationId xmlns:p14="http://schemas.microsoft.com/office/powerpoint/2010/main" val="1208846223"/>
+      </p:ext>
+    </p:extLst>
+  </p:cSld>
+  <p:clrMapOvr>
+    <a:masterClrMapping/>
+  </p:clrMapOvr>
+</p:notes>
+</file>
+
+<file path=ppt/notesSlides/notesSlide6.xml><?xml version="1.0" encoding="utf-8"?>
+<p:notes xmlns:a="http://schemas.openxmlformats.org/drawingml/2006/main" xmlns:r="http://schemas.openxmlformats.org/officeDocument/2006/relationships" xmlns:p="http://schemas.openxmlformats.org/presentationml/2006/main">
+  <p:cSld>
+    <p:spTree>
+      <p:nvGrpSpPr>
+        <p:cNvPr id="1" name=""/>
+        <p:cNvGrpSpPr/>
+        <p:nvPr/>
+      </p:nvGrpSpPr>
+      <p:grpSpPr>
+        <a:xfrm>
+          <a:off x="0" y="0"/>
+          <a:ext cx="0" cy="0"/>
+          <a:chOff x="0" y="0"/>
+          <a:chExt cx="0" cy="0"/>
+        </a:xfrm>
+      </p:grpSpPr>
+      <p:sp>
+        <p:nvSpPr>
+          <p:cNvPr id="2" name="Slide Image Placeholder 1"/>
+          <p:cNvSpPr>
+            <a:spLocks noGrp="1" noRot="1" noChangeAspect="1"/>
+          </p:cNvSpPr>
+          <p:nvPr>
+            <p:ph type="sldImg"/>
+          </p:nvPr>
+        </p:nvSpPr>
+        <p:spPr/>
+      </p:sp>
+      <p:sp>
+        <p:nvSpPr>
+          <p:cNvPr id="3" name="Notes Placeholder 2"/>
+          <p:cNvSpPr>
+            <a:spLocks noGrp="1"/>
+          </p:cNvSpPr>
+          <p:nvPr>
+            <p:ph type="body" idx="1"/>
+          </p:nvPr>
+        </p:nvSpPr>
+        <p:spPr/>
+        <p:txBody>
+          <a:bodyPr/>
+          <a:lstStyle/>
+          <a:p>
+            <a:r>
+              <a:rPr lang="en-GB" dirty="0"/>
+              <a:t>Add monitoring Screenshots here</a:t>
+            </a:r>
+          </a:p>
+          <a:p>
+            <a:endParaRPr lang="en-GB" dirty="0"/>
+          </a:p>
+          <a:p>
+            <a:r>
+              <a:rPr lang="en-GB" dirty="0"/>
+              <a:t>Kalyan and Jamie</a:t>
+            </a:r>
+          </a:p>
+        </p:txBody>
+      </p:sp>
+      <p:sp>
+        <p:nvSpPr>
+          <p:cNvPr id="4" name="Slide Number Placeholder 3"/>
+          <p:cNvSpPr>
+            <a:spLocks noGrp="1"/>
+          </p:cNvSpPr>
+          <p:nvPr>
+            <p:ph type="sldNum" sz="quarter" idx="5"/>
+          </p:nvPr>
+        </p:nvSpPr>
+        <p:spPr/>
+        <p:txBody>
+          <a:bodyPr/>
+          <a:lstStyle/>
+          <a:p>
+            <a:fld id="{0E367732-06A0-449A-8A76-A73E97B0BA5E}" type="slidenum">
+              <a:rPr lang="en-GB" smtClean="0"/>
+              <a:t>8</a:t>
+            </a:fld>
+            <a:endParaRPr lang="en-GB"/>
+          </a:p>
+        </p:txBody>
+      </p:sp>
+    </p:spTree>
+    <p:extLst>
+      <p:ext uri="{BB962C8B-B14F-4D97-AF65-F5344CB8AC3E}">
+        <p14:creationId xmlns:p14="http://schemas.microsoft.com/office/powerpoint/2010/main" val="260345534"/>
       </p:ext>
     </p:extLst>
   </p:cSld>
@@ -11301,6 +11529,36 @@
 </p:sld>
 </file>
 
+<file path=ppt/slides/slide8.xml><?xml version="1.0" encoding="utf-8"?>
+<p:sld xmlns:a="http://schemas.openxmlformats.org/drawingml/2006/main" xmlns:r="http://schemas.openxmlformats.org/officeDocument/2006/relationships" xmlns:p="http://schemas.openxmlformats.org/presentationml/2006/main">
+  <p:cSld>
+    <p:spTree>
+      <p:nvGrpSpPr>
+        <p:cNvPr id="1" name=""/>
+        <p:cNvGrpSpPr/>
+        <p:nvPr/>
+      </p:nvGrpSpPr>
+      <p:grpSpPr>
+        <a:xfrm>
+          <a:off x="0" y="0"/>
+          <a:ext cx="0" cy="0"/>
+          <a:chOff x="0" y="0"/>
+          <a:chExt cx="0" cy="0"/>
+        </a:xfrm>
+      </p:grpSpPr>
+    </p:spTree>
+    <p:extLst>
+      <p:ext uri="{BB962C8B-B14F-4D97-AF65-F5344CB8AC3E}">
+        <p14:creationId xmlns:p14="http://schemas.microsoft.com/office/powerpoint/2010/main" val="2827942029"/>
+      </p:ext>
+    </p:extLst>
+  </p:cSld>
+  <p:clrMapOvr>
+    <a:masterClrMapping/>
+  </p:clrMapOvr>
+</p:sld>
+</file>
+
 <file path=ppt/theme/theme1.xml><?xml version="1.0" encoding="utf-8"?>
 <a:theme xmlns:a="http://schemas.openxmlformats.org/drawingml/2006/main" name="HeadlinesVTI">
   <a:themeElements>

--- a/Presentation.pptx
+++ b/Presentation.pptx
@@ -754,7 +754,7 @@
           <a:p>
             <a:r>
               <a:rPr lang="en-GB" dirty="0"/>
-              <a:t>Presenter Nikita ad Veera 6 minutes max for this slide and next one </a:t>
+              <a:t>Presenter Nikita ad Veera 6 minutes max for 4, 5 and 6.</a:t>
             </a:r>
           </a:p>
           <a:p>
@@ -1289,13 +1289,8 @@
           <a:p>
             <a:r>
               <a:rPr lang="en-GB" dirty="0"/>
-              <a:t>At the end of presentation. Jamie brings CLI and GUI on sharing screen &gt;&gt;  Kalyan makes change to insert value file in GIT &gt;&gt; Shows the pods rebuilding and show web </a:t>
-            </a:r>
-            <a:r>
-              <a:rPr lang="en-GB"/>
-              <a:t>page changes</a:t>
-            </a:r>
-            <a:endParaRPr lang="en-GB" dirty="0"/>
+              <a:t>At the end of presentation. Jamie brings CLI and GUI on sharing screen &gt;&gt;  Kalyan makes change to insert value file in GIT &gt;&gt; Shows the pods rebuilding and show web page changes</a:t>
+            </a:r>
           </a:p>
         </p:txBody>
       </p:sp>

--- a/Presentation.pptx
+++ b/Presentation.pptx
@@ -5,7 +5,7 @@
     <p:sldMasterId id="2147483686" r:id="rId1"/>
   </p:sldMasterIdLst>
   <p:notesMasterIdLst>
-    <p:notesMasterId r:id="rId10"/>
+    <p:notesMasterId r:id="rId11"/>
   </p:notesMasterIdLst>
   <p:sldIdLst>
     <p:sldId id="256" r:id="rId2"/>
@@ -16,6 +16,7 @@
     <p:sldId id="262" r:id="rId7"/>
     <p:sldId id="261" r:id="rId8"/>
     <p:sldId id="263" r:id="rId9"/>
+    <p:sldId id="264" r:id="rId10"/>
   </p:sldIdLst>
   <p:sldSz cx="12192000" cy="6858000"/>
   <p:notesSz cx="6858000" cy="9144000"/>
@@ -11541,10 +11542,105 @@
           <a:chExt cx="0" cy="0"/>
         </a:xfrm>
       </p:grpSpPr>
+      <p:pic>
+        <p:nvPicPr>
+          <p:cNvPr id="3" name="Picture 2">
+            <a:extLst>
+              <a:ext uri="{FF2B5EF4-FFF2-40B4-BE49-F238E27FC236}">
+                <a16:creationId xmlns:a16="http://schemas.microsoft.com/office/drawing/2014/main" id="{6C9C102A-3C2B-0323-0078-0884C5EA2478}"/>
+              </a:ext>
+            </a:extLst>
+          </p:cNvPr>
+          <p:cNvPicPr>
+            <a:picLocks noChangeAspect="1"/>
+          </p:cNvPicPr>
+          <p:nvPr/>
+        </p:nvPicPr>
+        <p:blipFill>
+          <a:blip r:embed="rId3"/>
+          <a:stretch>
+            <a:fillRect/>
+          </a:stretch>
+        </p:blipFill>
+        <p:spPr>
+          <a:xfrm>
+            <a:off x="0" y="952700"/>
+            <a:ext cx="12192000" cy="4952599"/>
+          </a:xfrm>
+          <a:prstGeom prst="rect">
+            <a:avLst/>
+          </a:prstGeom>
+        </p:spPr>
+      </p:pic>
     </p:spTree>
     <p:extLst>
       <p:ext uri="{BB962C8B-B14F-4D97-AF65-F5344CB8AC3E}">
         <p14:creationId xmlns:p14="http://schemas.microsoft.com/office/powerpoint/2010/main" val="2827942029"/>
+      </p:ext>
+    </p:extLst>
+  </p:cSld>
+  <p:clrMapOvr>
+    <a:masterClrMapping/>
+  </p:clrMapOvr>
+</p:sld>
+</file>
+
+<file path=ppt/slides/slide9.xml><?xml version="1.0" encoding="utf-8"?>
+<p:sld xmlns:a="http://schemas.openxmlformats.org/drawingml/2006/main" xmlns:r="http://schemas.openxmlformats.org/officeDocument/2006/relationships" xmlns:p="http://schemas.openxmlformats.org/presentationml/2006/main">
+  <p:cSld>
+    <p:spTree>
+      <p:nvGrpSpPr>
+        <p:cNvPr id="1" name=""/>
+        <p:cNvGrpSpPr/>
+        <p:nvPr/>
+      </p:nvGrpSpPr>
+      <p:grpSpPr>
+        <a:xfrm>
+          <a:off x="0" y="0"/>
+          <a:ext cx="0" cy="0"/>
+          <a:chOff x="0" y="0"/>
+          <a:chExt cx="0" cy="0"/>
+        </a:xfrm>
+      </p:grpSpPr>
+      <p:sp>
+        <p:nvSpPr>
+          <p:cNvPr id="2" name="TextBox 1">
+            <a:extLst>
+              <a:ext uri="{FF2B5EF4-FFF2-40B4-BE49-F238E27FC236}">
+                <a16:creationId xmlns:a16="http://schemas.microsoft.com/office/drawing/2014/main" id="{EA87483C-6C01-164E-B62B-D14C6888391E}"/>
+              </a:ext>
+            </a:extLst>
+          </p:cNvPr>
+          <p:cNvSpPr txBox="1"/>
+          <p:nvPr/>
+        </p:nvSpPr>
+        <p:spPr>
+          <a:xfrm>
+            <a:off x="4463758" y="2209800"/>
+            <a:ext cx="3264483" cy="1446550"/>
+          </a:xfrm>
+          <a:prstGeom prst="rect">
+            <a:avLst/>
+          </a:prstGeom>
+          <a:noFill/>
+        </p:spPr>
+        <p:txBody>
+          <a:bodyPr wrap="none" rtlCol="0">
+            <a:spAutoFit/>
+          </a:bodyPr>
+          <a:lstStyle/>
+          <a:p>
+            <a:r>
+              <a:rPr lang="en-GB" sz="8800" dirty="0"/>
+              <a:t>Q &amp; A</a:t>
+            </a:r>
+          </a:p>
+        </p:txBody>
+      </p:sp>
+    </p:spTree>
+    <p:extLst>
+      <p:ext uri="{BB962C8B-B14F-4D97-AF65-F5344CB8AC3E}">
+        <p14:creationId xmlns:p14="http://schemas.microsoft.com/office/powerpoint/2010/main" val="4174133279"/>
       </p:ext>
     </p:extLst>
   </p:cSld>
